--- a/2025-SUM/Week03.pptx
+++ b/2025-SUM/Week03.pptx
@@ -8,11 +8,7 @@
     <p:sldId id="256" r:id="rId2"/>
     <p:sldId id="258" r:id="rId3"/>
     <p:sldId id="257" r:id="rId4"/>
-    <p:sldId id="272" r:id="rId5"/>
-    <p:sldId id="291" r:id="rId6"/>
-    <p:sldId id="293" r:id="rId7"/>
-    <p:sldId id="294" r:id="rId8"/>
-    <p:sldId id="290" r:id="rId9"/>
+    <p:sldId id="290" r:id="rId5"/>
   </p:sldIdLst>
   <p:sldSz cx="12192000" cy="6858000"/>
   <p:notesSz cx="6858000" cy="9144000"/>
@@ -3408,7 +3404,27 @@
                   </a:schemeClr>
                 </a:solidFill>
               </a:rPr>
-              <a:t>Week 3: 2024-06-04 to 06-1</a:t>
+              <a:t>Week 3</a:t>
+            </a:r>
+            <a:r>
+              <a:rPr lang="en-US">
+                <a:solidFill>
+                  <a:schemeClr val="accent1">
+                    <a:lumMod val="50000"/>
+                  </a:schemeClr>
+                </a:solidFill>
+              </a:rPr>
+              <a:t>: 2025-06-04 </a:t>
+            </a:r>
+            <a:r>
+              <a:rPr lang="en-US" dirty="0">
+                <a:solidFill>
+                  <a:schemeClr val="accent1">
+                    <a:lumMod val="50000"/>
+                  </a:schemeClr>
+                </a:solidFill>
+              </a:rPr>
+              <a:t>to 06-1</a:t>
             </a:r>
             <a:r>
               <a:rPr lang="en-US" dirty="0"/>
@@ -3678,702 +3694,6 @@
 </file>
 
 <file path=ppt/slides/slide4.xml><?xml version="1.0" encoding="utf-8"?>
-<p:sld xmlns:a="http://schemas.openxmlformats.org/drawingml/2006/main" xmlns:r="http://schemas.openxmlformats.org/officeDocument/2006/relationships" xmlns:p="http://schemas.openxmlformats.org/presentationml/2006/main">
-  <p:cSld>
-    <p:spTree>
-      <p:nvGrpSpPr>
-        <p:cNvPr id="1" name=""/>
-        <p:cNvGrpSpPr/>
-        <p:nvPr/>
-      </p:nvGrpSpPr>
-      <p:grpSpPr>
-        <a:xfrm>
-          <a:off x="0" y="0"/>
-          <a:ext cx="0" cy="0"/>
-          <a:chOff x="0" y="0"/>
-          <a:chExt cx="0" cy="0"/>
-        </a:xfrm>
-      </p:grpSpPr>
-      <p:sp>
-        <p:nvSpPr>
-          <p:cNvPr id="2" name="Title 1">
-            <a:extLst>
-              <a:ext uri="{FF2B5EF4-FFF2-40B4-BE49-F238E27FC236}">
-                <a16:creationId xmlns:a16="http://schemas.microsoft.com/office/drawing/2014/main" id="{3BDD5486-A245-4AAE-A2A0-A85ED0F57AB0}"/>
-              </a:ext>
-            </a:extLst>
-          </p:cNvPr>
-          <p:cNvSpPr>
-            <a:spLocks noGrp="1"/>
-          </p:cNvSpPr>
-          <p:nvPr>
-            <p:ph type="title"/>
-          </p:nvPr>
-        </p:nvSpPr>
-        <p:spPr/>
-        <p:txBody>
-          <a:bodyPr/>
-          <a:lstStyle/>
-          <a:p>
-            <a:r>
-              <a:rPr lang="en-US" dirty="0"/>
-              <a:t>Errors (Mod 3 Topic 1)</a:t>
-            </a:r>
-          </a:p>
-        </p:txBody>
-      </p:sp>
-      <p:sp>
-        <p:nvSpPr>
-          <p:cNvPr id="3" name="Content Placeholder 2">
-            <a:extLst>
-              <a:ext uri="{FF2B5EF4-FFF2-40B4-BE49-F238E27FC236}">
-                <a16:creationId xmlns:a16="http://schemas.microsoft.com/office/drawing/2014/main" id="{676DDF1E-7949-4AF8-9F3E-CEEE7BA076CB}"/>
-              </a:ext>
-            </a:extLst>
-          </p:cNvPr>
-          <p:cNvSpPr>
-            <a:spLocks noGrp="1"/>
-          </p:cNvSpPr>
-          <p:nvPr>
-            <p:ph idx="1"/>
-          </p:nvPr>
-        </p:nvSpPr>
-        <p:spPr/>
-        <p:txBody>
-          <a:bodyPr>
-            <a:normAutofit fontScale="77500" lnSpcReduction="20000"/>
-          </a:bodyPr>
-          <a:lstStyle/>
-          <a:p>
-            <a:r>
-              <a:rPr lang="en-US" dirty="0"/>
-              <a:t>Chapter 5</a:t>
-            </a:r>
-          </a:p>
-          <a:p>
-            <a:r>
-              <a:rPr lang="en-US" dirty="0" err="1"/>
-              <a:t>System.Exception</a:t>
-            </a:r>
-            <a:r>
-              <a:rPr lang="en-US" dirty="0"/>
-              <a:t> base class</a:t>
-            </a:r>
-          </a:p>
-          <a:p>
-            <a:r>
-              <a:rPr lang="en-US" dirty="0"/>
-              <a:t>Common Exceptions</a:t>
-            </a:r>
-          </a:p>
-          <a:p>
-            <a:pPr lvl="1"/>
-            <a:r>
-              <a:rPr lang="en-US" dirty="0"/>
-              <a:t>Syntax/Compile errors: Happen when you build</a:t>
-            </a:r>
-          </a:p>
-          <a:p>
-            <a:pPr lvl="1"/>
-            <a:r>
-              <a:rPr lang="en-US" dirty="0"/>
-              <a:t>Runtime errors: Happen while running the application</a:t>
-            </a:r>
-          </a:p>
-          <a:p>
-            <a:pPr lvl="1"/>
-            <a:r>
-              <a:rPr lang="en-US" dirty="0"/>
-              <a:t>Logic/Business Process errors: Happen when incorrect results were returns</a:t>
-            </a:r>
-          </a:p>
-          <a:p>
-            <a:r>
-              <a:rPr lang="en-US" dirty="0"/>
-              <a:t>Internal Server Error page</a:t>
-            </a:r>
-          </a:p>
-          <a:p>
-            <a:pPr lvl="1"/>
-            <a:r>
-              <a:rPr lang="en-US" dirty="0"/>
-              <a:t>Set parameters in </a:t>
-            </a:r>
-            <a:r>
-              <a:rPr lang="en-US" dirty="0" err="1"/>
-              <a:t>Startup.cs</a:t>
-            </a:r>
-            <a:endParaRPr lang="en-US" dirty="0"/>
-          </a:p>
-          <a:p>
-            <a:pPr lvl="1"/>
-            <a:r>
-              <a:rPr lang="en-US" dirty="0"/>
-              <a:t>Development: Display error</a:t>
-            </a:r>
-          </a:p>
-          <a:p>
-            <a:pPr lvl="1"/>
-            <a:r>
-              <a:rPr lang="en-US" dirty="0"/>
-              <a:t>Production: Custom error message with logging behind the scenes</a:t>
-            </a:r>
-          </a:p>
-          <a:p>
-            <a:r>
-              <a:rPr lang="en-US" dirty="0"/>
-              <a:t>Exception Helper</a:t>
-            </a:r>
-          </a:p>
-          <a:p>
-            <a:pPr lvl="1"/>
-            <a:r>
-              <a:rPr lang="en-US" dirty="0"/>
-              <a:t>Displays the error message</a:t>
-            </a:r>
-          </a:p>
-          <a:p>
-            <a:pPr lvl="1"/>
-            <a:r>
-              <a:rPr lang="en-US" dirty="0"/>
-              <a:t>View Details, Copy Details, Start Live Share Session</a:t>
-            </a:r>
-          </a:p>
-          <a:p>
-            <a:pPr lvl="1"/>
-            <a:r>
-              <a:rPr lang="en-US" dirty="0"/>
-              <a:t>Check for Inner Exceptions</a:t>
-            </a:r>
-          </a:p>
-          <a:p>
-            <a:pPr lvl="1"/>
-            <a:endParaRPr lang="en-US" dirty="0"/>
-          </a:p>
-        </p:txBody>
-      </p:sp>
-    </p:spTree>
-    <p:extLst>
-      <p:ext uri="{BB962C8B-B14F-4D97-AF65-F5344CB8AC3E}">
-        <p14:creationId xmlns:p14="http://schemas.microsoft.com/office/powerpoint/2010/main" val="1386859503"/>
-      </p:ext>
-    </p:extLst>
-  </p:cSld>
-  <p:clrMapOvr>
-    <a:masterClrMapping/>
-  </p:clrMapOvr>
-</p:sld>
-</file>
-
-<file path=ppt/slides/slide5.xml><?xml version="1.0" encoding="utf-8"?>
-<p:sld xmlns:a="http://schemas.openxmlformats.org/drawingml/2006/main" xmlns:r="http://schemas.openxmlformats.org/officeDocument/2006/relationships" xmlns:p="http://schemas.openxmlformats.org/presentationml/2006/main">
-  <p:cSld>
-    <p:spTree>
-      <p:nvGrpSpPr>
-        <p:cNvPr id="1" name=""/>
-        <p:cNvGrpSpPr/>
-        <p:nvPr/>
-      </p:nvGrpSpPr>
-      <p:grpSpPr>
-        <a:xfrm>
-          <a:off x="0" y="0"/>
-          <a:ext cx="0" cy="0"/>
-          <a:chOff x="0" y="0"/>
-          <a:chExt cx="0" cy="0"/>
-        </a:xfrm>
-      </p:grpSpPr>
-      <p:sp>
-        <p:nvSpPr>
-          <p:cNvPr id="2" name="Title 1">
-            <a:extLst>
-              <a:ext uri="{FF2B5EF4-FFF2-40B4-BE49-F238E27FC236}">
-                <a16:creationId xmlns:a16="http://schemas.microsoft.com/office/drawing/2014/main" id="{3BDD5486-A245-4AAE-A2A0-A85ED0F57AB0}"/>
-              </a:ext>
-            </a:extLst>
-          </p:cNvPr>
-          <p:cNvSpPr>
-            <a:spLocks noGrp="1"/>
-          </p:cNvSpPr>
-          <p:nvPr>
-            <p:ph type="title"/>
-          </p:nvPr>
-        </p:nvSpPr>
-        <p:spPr/>
-        <p:txBody>
-          <a:bodyPr/>
-          <a:lstStyle/>
-          <a:p>
-            <a:r>
-              <a:rPr lang="en-US" dirty="0"/>
-              <a:t>Debugging (Mod 3 Topic 2)</a:t>
-            </a:r>
-          </a:p>
-        </p:txBody>
-      </p:sp>
-      <p:sp>
-        <p:nvSpPr>
-          <p:cNvPr id="3" name="Content Placeholder 2">
-            <a:extLst>
-              <a:ext uri="{FF2B5EF4-FFF2-40B4-BE49-F238E27FC236}">
-                <a16:creationId xmlns:a16="http://schemas.microsoft.com/office/drawing/2014/main" id="{676DDF1E-7949-4AF8-9F3E-CEEE7BA076CB}"/>
-              </a:ext>
-            </a:extLst>
-          </p:cNvPr>
-          <p:cNvSpPr>
-            <a:spLocks noGrp="1"/>
-          </p:cNvSpPr>
-          <p:nvPr>
-            <p:ph idx="1"/>
-          </p:nvPr>
-        </p:nvSpPr>
-        <p:spPr/>
-        <p:txBody>
-          <a:bodyPr/>
-          <a:lstStyle/>
-          <a:p>
-            <a:r>
-              <a:rPr lang="en-US" dirty="0"/>
-              <a:t>Visual Studio includes an integrated debugger</a:t>
-            </a:r>
-          </a:p>
-          <a:p>
-            <a:pPr lvl="1"/>
-            <a:r>
-              <a:rPr lang="en-US" dirty="0"/>
-              <a:t>We are lucky we don’t have to </a:t>
-            </a:r>
-            <a:r>
-              <a:rPr lang="en-US" dirty="0" err="1"/>
-              <a:t>PrintLine</a:t>
-            </a:r>
-            <a:r>
-              <a:rPr lang="en-US" dirty="0"/>
-              <a:t> to debug our code</a:t>
-            </a:r>
-          </a:p>
-          <a:p>
-            <a:pPr lvl="1"/>
-            <a:r>
-              <a:rPr lang="en-US" dirty="0"/>
-              <a:t>Run without debugging: CTRL + F5</a:t>
-            </a:r>
-          </a:p>
-          <a:p>
-            <a:pPr lvl="1"/>
-            <a:r>
-              <a:rPr lang="en-US" dirty="0"/>
-              <a:t>Run with debugging: F5</a:t>
-            </a:r>
-          </a:p>
-          <a:p>
-            <a:pPr lvl="1"/>
-            <a:r>
-              <a:rPr lang="en-US" dirty="0"/>
-              <a:t>Stop debugging: SHIFT + F5</a:t>
-            </a:r>
-          </a:p>
-          <a:p>
-            <a:r>
-              <a:rPr lang="en-US" dirty="0"/>
-              <a:t>Browser developer tools</a:t>
-            </a:r>
-          </a:p>
-          <a:p>
-            <a:pPr lvl="1"/>
-            <a:r>
-              <a:rPr lang="en-US" dirty="0"/>
-              <a:t>Chrome, IE, and Firefox all have these tools</a:t>
-            </a:r>
-          </a:p>
-          <a:p>
-            <a:pPr lvl="1"/>
-            <a:r>
-              <a:rPr lang="en-US" dirty="0"/>
-              <a:t>Can inspect an element</a:t>
-            </a:r>
-          </a:p>
-          <a:p>
-            <a:pPr lvl="1"/>
-            <a:r>
-              <a:rPr lang="en-US" dirty="0"/>
-              <a:t>NOTE: This is AFTER everything has rendered</a:t>
-            </a:r>
-          </a:p>
-        </p:txBody>
-      </p:sp>
-    </p:spTree>
-    <p:extLst>
-      <p:ext uri="{BB962C8B-B14F-4D97-AF65-F5344CB8AC3E}">
-        <p14:creationId xmlns:p14="http://schemas.microsoft.com/office/powerpoint/2010/main" val="2032378728"/>
-      </p:ext>
-    </p:extLst>
-  </p:cSld>
-  <p:clrMapOvr>
-    <a:masterClrMapping/>
-  </p:clrMapOvr>
-</p:sld>
-</file>
-
-<file path=ppt/slides/slide6.xml><?xml version="1.0" encoding="utf-8"?>
-<p:sld xmlns:a="http://schemas.openxmlformats.org/drawingml/2006/main" xmlns:r="http://schemas.openxmlformats.org/officeDocument/2006/relationships" xmlns:p="http://schemas.openxmlformats.org/presentationml/2006/main">
-  <p:cSld>
-    <p:spTree>
-      <p:nvGrpSpPr>
-        <p:cNvPr id="1" name=""/>
-        <p:cNvGrpSpPr/>
-        <p:nvPr/>
-      </p:nvGrpSpPr>
-      <p:grpSpPr>
-        <a:xfrm>
-          <a:off x="0" y="0"/>
-          <a:ext cx="0" cy="0"/>
-          <a:chOff x="0" y="0"/>
-          <a:chExt cx="0" cy="0"/>
-        </a:xfrm>
-      </p:grpSpPr>
-      <p:sp>
-        <p:nvSpPr>
-          <p:cNvPr id="2" name="Title 1">
-            <a:extLst>
-              <a:ext uri="{FF2B5EF4-FFF2-40B4-BE49-F238E27FC236}">
-                <a16:creationId xmlns:a16="http://schemas.microsoft.com/office/drawing/2014/main" id="{3BDD5486-A245-4AAE-A2A0-A85ED0F57AB0}"/>
-              </a:ext>
-            </a:extLst>
-          </p:cNvPr>
-          <p:cNvSpPr>
-            <a:spLocks noGrp="1"/>
-          </p:cNvSpPr>
-          <p:nvPr>
-            <p:ph type="title"/>
-          </p:nvPr>
-        </p:nvSpPr>
-        <p:spPr/>
-        <p:txBody>
-          <a:bodyPr/>
-          <a:lstStyle/>
-          <a:p>
-            <a:r>
-              <a:rPr lang="en-US" dirty="0"/>
-              <a:t>Debugging: Visual Studio (Mod 3 Topic 2)</a:t>
-            </a:r>
-          </a:p>
-        </p:txBody>
-      </p:sp>
-      <p:sp>
-        <p:nvSpPr>
-          <p:cNvPr id="3" name="Content Placeholder 2">
-            <a:extLst>
-              <a:ext uri="{FF2B5EF4-FFF2-40B4-BE49-F238E27FC236}">
-                <a16:creationId xmlns:a16="http://schemas.microsoft.com/office/drawing/2014/main" id="{676DDF1E-7949-4AF8-9F3E-CEEE7BA076CB}"/>
-              </a:ext>
-            </a:extLst>
-          </p:cNvPr>
-          <p:cNvSpPr>
-            <a:spLocks noGrp="1"/>
-          </p:cNvSpPr>
-          <p:nvPr>
-            <p:ph idx="1"/>
-          </p:nvPr>
-        </p:nvSpPr>
-        <p:spPr/>
-        <p:txBody>
-          <a:bodyPr>
-            <a:normAutofit fontScale="62500" lnSpcReduction="20000"/>
-          </a:bodyPr>
-          <a:lstStyle/>
-          <a:p>
-            <a:r>
-              <a:rPr lang="en-US" dirty="0"/>
-              <a:t>Debugging Commands</a:t>
-            </a:r>
-          </a:p>
-          <a:p>
-            <a:pPr lvl="1"/>
-            <a:r>
-              <a:rPr lang="en-US" dirty="0"/>
-              <a:t>Start/Continue: F5</a:t>
-            </a:r>
-          </a:p>
-          <a:p>
-            <a:pPr lvl="1"/>
-            <a:r>
-              <a:rPr lang="en-US" dirty="0"/>
-              <a:t>Break All: CTRL + ALT + Break</a:t>
-            </a:r>
-          </a:p>
-          <a:p>
-            <a:pPr lvl="1"/>
-            <a:r>
-              <a:rPr lang="en-US" dirty="0"/>
-              <a:t>Stop Debugging: SHIFT + F5</a:t>
-            </a:r>
-          </a:p>
-          <a:p>
-            <a:pPr lvl="1"/>
-            <a:r>
-              <a:rPr lang="en-US" dirty="0"/>
-              <a:t>Restart: CTRL + ALT + F5</a:t>
-            </a:r>
-          </a:p>
-          <a:p>
-            <a:pPr lvl="1"/>
-            <a:r>
-              <a:rPr lang="en-US" dirty="0"/>
-              <a:t>Step Into (Go into method/function): F11</a:t>
-            </a:r>
-          </a:p>
-          <a:p>
-            <a:pPr lvl="1"/>
-            <a:r>
-              <a:rPr lang="en-US" dirty="0"/>
-              <a:t>Step Over (Skip over method/function): F10</a:t>
-            </a:r>
-          </a:p>
-          <a:p>
-            <a:r>
-              <a:rPr lang="en-US" dirty="0"/>
-              <a:t>Set/Remove Breakpoints</a:t>
-            </a:r>
-          </a:p>
-          <a:p>
-            <a:pPr lvl="1"/>
-            <a:r>
-              <a:rPr lang="en-US" dirty="0"/>
-              <a:t>F9 or click in the margin</a:t>
-            </a:r>
-          </a:p>
-          <a:p>
-            <a:r>
-              <a:rPr lang="en-US" dirty="0"/>
-              <a:t>Enable/Disable Breakpoints</a:t>
-            </a:r>
-          </a:p>
-          <a:p>
-            <a:r>
-              <a:rPr lang="en-US" dirty="0"/>
-              <a:t>Custom Breakpoints	</a:t>
-            </a:r>
-          </a:p>
-          <a:p>
-            <a:pPr lvl="1"/>
-            <a:r>
-              <a:rPr lang="en-US" dirty="0"/>
-              <a:t>Only active when expression is true</a:t>
-            </a:r>
-          </a:p>
-          <a:p>
-            <a:r>
-              <a:rPr lang="en-US" dirty="0"/>
-              <a:t>Set </a:t>
-            </a:r>
-            <a:r>
-              <a:rPr lang="en-US" dirty="0" err="1"/>
-              <a:t>Tracepoint</a:t>
-            </a:r>
-            <a:endParaRPr lang="en-US" dirty="0"/>
-          </a:p>
-          <a:p>
-            <a:pPr lvl="1"/>
-            <a:r>
-              <a:rPr lang="en-US" dirty="0"/>
-              <a:t>Right click -&gt; Insert </a:t>
-            </a:r>
-            <a:r>
-              <a:rPr lang="en-US" dirty="0" err="1"/>
-              <a:t>Tracepoint</a:t>
-            </a:r>
-            <a:endParaRPr lang="en-US" dirty="0"/>
-          </a:p>
-          <a:p>
-            <a:r>
-              <a:rPr lang="en-US" dirty="0"/>
-              <a:t>Inspect variables in the ‘Locals’ tab</a:t>
-            </a:r>
-          </a:p>
-          <a:p>
-            <a:r>
-              <a:rPr lang="en-US" dirty="0"/>
-              <a:t>Display the call stack in the ‘Call Stack’ tab</a:t>
-            </a:r>
-          </a:p>
-        </p:txBody>
-      </p:sp>
-    </p:spTree>
-    <p:extLst>
-      <p:ext uri="{BB962C8B-B14F-4D97-AF65-F5344CB8AC3E}">
-        <p14:creationId xmlns:p14="http://schemas.microsoft.com/office/powerpoint/2010/main" val="2330989445"/>
-      </p:ext>
-    </p:extLst>
-  </p:cSld>
-  <p:clrMapOvr>
-    <a:masterClrMapping/>
-  </p:clrMapOvr>
-</p:sld>
-</file>
-
-<file path=ppt/slides/slide7.xml><?xml version="1.0" encoding="utf-8"?>
-<p:sld xmlns:a="http://schemas.openxmlformats.org/drawingml/2006/main" xmlns:r="http://schemas.openxmlformats.org/officeDocument/2006/relationships" xmlns:p="http://schemas.openxmlformats.org/presentationml/2006/main">
-  <p:cSld>
-    <p:spTree>
-      <p:nvGrpSpPr>
-        <p:cNvPr id="1" name=""/>
-        <p:cNvGrpSpPr/>
-        <p:nvPr/>
-      </p:nvGrpSpPr>
-      <p:grpSpPr>
-        <a:xfrm>
-          <a:off x="0" y="0"/>
-          <a:ext cx="0" cy="0"/>
-          <a:chOff x="0" y="0"/>
-          <a:chExt cx="0" cy="0"/>
-        </a:xfrm>
-      </p:grpSpPr>
-      <p:sp>
-        <p:nvSpPr>
-          <p:cNvPr id="2" name="Title 1">
-            <a:extLst>
-              <a:ext uri="{FF2B5EF4-FFF2-40B4-BE49-F238E27FC236}">
-                <a16:creationId xmlns:a16="http://schemas.microsoft.com/office/drawing/2014/main" id="{E51ED20D-B9DF-4F24-8D9E-44A30838372A}"/>
-              </a:ext>
-            </a:extLst>
-          </p:cNvPr>
-          <p:cNvSpPr>
-            <a:spLocks noGrp="1"/>
-          </p:cNvSpPr>
-          <p:nvPr>
-            <p:ph type="title"/>
-          </p:nvPr>
-        </p:nvSpPr>
-        <p:spPr/>
-        <p:txBody>
-          <a:bodyPr/>
-          <a:lstStyle/>
-          <a:p>
-            <a:r>
-              <a:rPr lang="en-US" dirty="0"/>
-              <a:t>Unit Testing (Mod 3 Topic 3)</a:t>
-            </a:r>
-          </a:p>
-        </p:txBody>
-      </p:sp>
-      <p:sp>
-        <p:nvSpPr>
-          <p:cNvPr id="3" name="Content Placeholder 2">
-            <a:extLst>
-              <a:ext uri="{FF2B5EF4-FFF2-40B4-BE49-F238E27FC236}">
-                <a16:creationId xmlns:a16="http://schemas.microsoft.com/office/drawing/2014/main" id="{76524EE7-4DD9-4803-8A98-90638CF07F7A}"/>
-              </a:ext>
-            </a:extLst>
-          </p:cNvPr>
-          <p:cNvSpPr>
-            <a:spLocks noGrp="1"/>
-          </p:cNvSpPr>
-          <p:nvPr>
-            <p:ph idx="1"/>
-          </p:nvPr>
-        </p:nvSpPr>
-        <p:spPr/>
-        <p:txBody>
-          <a:bodyPr>
-            <a:normAutofit lnSpcReduction="10000"/>
-          </a:bodyPr>
-          <a:lstStyle/>
-          <a:p>
-            <a:r>
-              <a:rPr lang="en-US" dirty="0"/>
-              <a:t>Programmatically testing pieces of code</a:t>
-            </a:r>
-          </a:p>
-          <a:p>
-            <a:pPr lvl="1"/>
-            <a:r>
-              <a:rPr lang="en-US" dirty="0"/>
-              <a:t>Unit testing is testing the smallest chunk of code possible</a:t>
-            </a:r>
-          </a:p>
-          <a:p>
-            <a:pPr lvl="1"/>
-            <a:r>
-              <a:rPr lang="en-US" dirty="0"/>
-              <a:t>Real life “unit testing” is just testing</a:t>
-            </a:r>
-          </a:p>
-          <a:p>
-            <a:r>
-              <a:rPr lang="en-US" dirty="0"/>
-              <a:t>Three main parts to a test: Arrange, Act, Assert</a:t>
-            </a:r>
-          </a:p>
-          <a:p>
-            <a:r>
-              <a:rPr lang="en-US" dirty="0" err="1"/>
-              <a:t>MSTest</a:t>
-            </a:r>
-            <a:r>
-              <a:rPr lang="en-US" dirty="0"/>
-              <a:t>: Microsoft testing integrated into Visual Studio</a:t>
-            </a:r>
-          </a:p>
-          <a:p>
-            <a:pPr lvl="1"/>
-            <a:r>
-              <a:rPr lang="en-US" dirty="0"/>
-              <a:t>There are other frameworks (</a:t>
-            </a:r>
-            <a:r>
-              <a:rPr lang="en-US" dirty="0" err="1"/>
-              <a:t>NUnit</a:t>
-            </a:r>
-            <a:r>
-              <a:rPr lang="en-US" dirty="0"/>
-              <a:t>, </a:t>
-            </a:r>
-            <a:r>
-              <a:rPr lang="en-US" dirty="0" err="1"/>
-              <a:t>xUnit</a:t>
-            </a:r>
-            <a:r>
-              <a:rPr lang="en-US" dirty="0"/>
-              <a:t>, etc.) but they are not really used since </a:t>
-            </a:r>
-            <a:r>
-              <a:rPr lang="en-US" dirty="0" err="1"/>
-              <a:t>MSTest</a:t>
-            </a:r>
-            <a:r>
-              <a:rPr lang="en-US" dirty="0"/>
-              <a:t> has gotten so good</a:t>
-            </a:r>
-          </a:p>
-          <a:p>
-            <a:r>
-              <a:rPr lang="en-US" dirty="0"/>
-              <a:t>Test Driven Development: TDD is a process of writing your tests first and then writing code to pass the tests.</a:t>
-            </a:r>
-          </a:p>
-          <a:p>
-            <a:pPr lvl="1"/>
-            <a:r>
-              <a:rPr lang="en-US" dirty="0"/>
-              <a:t>Red/Green/Refactor: Make the test fail (red). Code to pass the tests (green). Refactor your code to make it cleaner.</a:t>
-            </a:r>
-          </a:p>
-        </p:txBody>
-      </p:sp>
-    </p:spTree>
-    <p:extLst>
-      <p:ext uri="{BB962C8B-B14F-4D97-AF65-F5344CB8AC3E}">
-        <p14:creationId xmlns:p14="http://schemas.microsoft.com/office/powerpoint/2010/main" val="1937437785"/>
-      </p:ext>
-    </p:extLst>
-  </p:cSld>
-  <p:clrMapOvr>
-    <a:masterClrMapping/>
-  </p:clrMapOvr>
-</p:sld>
-</file>
-
-<file path=ppt/slides/slide8.xml><?xml version="1.0" encoding="utf-8"?>
 <p:sld xmlns:a="http://schemas.openxmlformats.org/drawingml/2006/main" xmlns:r="http://schemas.openxmlformats.org/officeDocument/2006/relationships" xmlns:p="http://schemas.openxmlformats.org/presentationml/2006/main">
   <p:cSld>
     <p:spTree>
